--- a/Roadmap - v2.pptx
+++ b/Roadmap - v2.pptx
@@ -570,7 +570,7 @@
           <a:p>
             <a:fld id="{A8A3C172-8945-4189-AABF-306FFB3D052F}" type="datetimeFigureOut">
               <a:rPr lang="en-US" smtClean="0"/>
-              <a:t>9/10/2025</a:t>
+              <a:t>9/14/2025</a:t>
             </a:fld>
             <a:endParaRPr lang="en-US"/>
           </a:p>
@@ -728,7 +728,7 @@
           <a:p>
             <a:fld id="{FBC6894C-2343-459D-88D7-5041FE4A84B3}" type="slidenum">
               <a:rPr lang="en-US" smtClean="0"/>
-              <a:t>‹#›</a:t>
+              <a:t>‹Nr.›</a:t>
             </a:fld>
             <a:endParaRPr lang="en-US"/>
           </a:p>
@@ -986,7 +986,7 @@
           <a:p>
             <a:fld id="{BEEC5A5A-C34E-462D-A18F-97AFFCCC6197}" type="datetimeFigureOut">
               <a:rPr lang="en-NL" smtClean="0"/>
-              <a:t>09/10/2025</a:t>
+              <a:t>09/14/2025</a:t>
             </a:fld>
             <a:endParaRPr lang="en-NL"/>
           </a:p>
@@ -1040,7 +1040,7 @@
           <a:p>
             <a:fld id="{5AEC89D8-36C3-40BD-BBB3-9AD7F891C9FD}" type="slidenum">
               <a:rPr lang="en-NL" smtClean="0"/>
-              <a:t>‹#›</a:t>
+              <a:t>‹Nr.›</a:t>
             </a:fld>
             <a:endParaRPr lang="en-NL"/>
           </a:p>
@@ -1186,7 +1186,7 @@
           <a:p>
             <a:fld id="{BEEC5A5A-C34E-462D-A18F-97AFFCCC6197}" type="datetimeFigureOut">
               <a:rPr lang="en-NL" smtClean="0"/>
-              <a:t>09/10/2025</a:t>
+              <a:t>09/14/2025</a:t>
             </a:fld>
             <a:endParaRPr lang="en-NL"/>
           </a:p>
@@ -1240,7 +1240,7 @@
           <a:p>
             <a:fld id="{5AEC89D8-36C3-40BD-BBB3-9AD7F891C9FD}" type="slidenum">
               <a:rPr lang="en-NL" smtClean="0"/>
-              <a:t>‹#›</a:t>
+              <a:t>‹Nr.›</a:t>
             </a:fld>
             <a:endParaRPr lang="en-NL"/>
           </a:p>
@@ -1396,7 +1396,7 @@
           <a:p>
             <a:fld id="{BEEC5A5A-C34E-462D-A18F-97AFFCCC6197}" type="datetimeFigureOut">
               <a:rPr lang="en-NL" smtClean="0"/>
-              <a:t>09/10/2025</a:t>
+              <a:t>09/14/2025</a:t>
             </a:fld>
             <a:endParaRPr lang="en-NL"/>
           </a:p>
@@ -1450,7 +1450,7 @@
           <a:p>
             <a:fld id="{5AEC89D8-36C3-40BD-BBB3-9AD7F891C9FD}" type="slidenum">
               <a:rPr lang="en-NL" smtClean="0"/>
-              <a:t>‹#›</a:t>
+              <a:t>‹Nr.›</a:t>
             </a:fld>
             <a:endParaRPr lang="en-NL"/>
           </a:p>
@@ -1596,7 +1596,7 @@
           <a:p>
             <a:fld id="{BEEC5A5A-C34E-462D-A18F-97AFFCCC6197}" type="datetimeFigureOut">
               <a:rPr lang="en-NL" smtClean="0"/>
-              <a:t>09/10/2025</a:t>
+              <a:t>09/14/2025</a:t>
             </a:fld>
             <a:endParaRPr lang="en-NL"/>
           </a:p>
@@ -1650,7 +1650,7 @@
           <a:p>
             <a:fld id="{5AEC89D8-36C3-40BD-BBB3-9AD7F891C9FD}" type="slidenum">
               <a:rPr lang="en-NL" smtClean="0"/>
-              <a:t>‹#›</a:t>
+              <a:t>‹Nr.›</a:t>
             </a:fld>
             <a:endParaRPr lang="en-NL"/>
           </a:p>
@@ -1872,7 +1872,7 @@
           <a:p>
             <a:fld id="{BEEC5A5A-C34E-462D-A18F-97AFFCCC6197}" type="datetimeFigureOut">
               <a:rPr lang="en-NL" smtClean="0"/>
-              <a:t>09/10/2025</a:t>
+              <a:t>09/14/2025</a:t>
             </a:fld>
             <a:endParaRPr lang="en-NL"/>
           </a:p>
@@ -1926,7 +1926,7 @@
           <a:p>
             <a:fld id="{5AEC89D8-36C3-40BD-BBB3-9AD7F891C9FD}" type="slidenum">
               <a:rPr lang="en-NL" smtClean="0"/>
-              <a:t>‹#›</a:t>
+              <a:t>‹Nr.›</a:t>
             </a:fld>
             <a:endParaRPr lang="en-NL"/>
           </a:p>
@@ -2140,7 +2140,7 @@
           <a:p>
             <a:fld id="{BEEC5A5A-C34E-462D-A18F-97AFFCCC6197}" type="datetimeFigureOut">
               <a:rPr lang="en-NL" smtClean="0"/>
-              <a:t>09/10/2025</a:t>
+              <a:t>09/14/2025</a:t>
             </a:fld>
             <a:endParaRPr lang="en-NL"/>
           </a:p>
@@ -2194,7 +2194,7 @@
           <a:p>
             <a:fld id="{5AEC89D8-36C3-40BD-BBB3-9AD7F891C9FD}" type="slidenum">
               <a:rPr lang="en-NL" smtClean="0"/>
-              <a:t>‹#›</a:t>
+              <a:t>‹Nr.›</a:t>
             </a:fld>
             <a:endParaRPr lang="en-NL"/>
           </a:p>
@@ -2555,7 +2555,7 @@
           <a:p>
             <a:fld id="{BEEC5A5A-C34E-462D-A18F-97AFFCCC6197}" type="datetimeFigureOut">
               <a:rPr lang="en-NL" smtClean="0"/>
-              <a:t>09/10/2025</a:t>
+              <a:t>09/14/2025</a:t>
             </a:fld>
             <a:endParaRPr lang="en-NL"/>
           </a:p>
@@ -2609,7 +2609,7 @@
           <a:p>
             <a:fld id="{5AEC89D8-36C3-40BD-BBB3-9AD7F891C9FD}" type="slidenum">
               <a:rPr lang="en-NL" smtClean="0"/>
-              <a:t>‹#›</a:t>
+              <a:t>‹Nr.›</a:t>
             </a:fld>
             <a:endParaRPr lang="en-NL"/>
           </a:p>
@@ -2697,7 +2697,7 @@
           <a:p>
             <a:fld id="{BEEC5A5A-C34E-462D-A18F-97AFFCCC6197}" type="datetimeFigureOut">
               <a:rPr lang="en-NL" smtClean="0"/>
-              <a:t>09/10/2025</a:t>
+              <a:t>09/14/2025</a:t>
             </a:fld>
             <a:endParaRPr lang="en-NL"/>
           </a:p>
@@ -2751,7 +2751,7 @@
           <a:p>
             <a:fld id="{5AEC89D8-36C3-40BD-BBB3-9AD7F891C9FD}" type="slidenum">
               <a:rPr lang="en-NL" smtClean="0"/>
-              <a:t>‹#›</a:t>
+              <a:t>‹Nr.›</a:t>
             </a:fld>
             <a:endParaRPr lang="en-NL"/>
           </a:p>
@@ -2810,7 +2810,7 @@
           <a:p>
             <a:fld id="{BEEC5A5A-C34E-462D-A18F-97AFFCCC6197}" type="datetimeFigureOut">
               <a:rPr lang="en-NL" smtClean="0"/>
-              <a:t>09/10/2025</a:t>
+              <a:t>09/14/2025</a:t>
             </a:fld>
             <a:endParaRPr lang="en-NL"/>
           </a:p>
@@ -2864,7 +2864,7 @@
           <a:p>
             <a:fld id="{5AEC89D8-36C3-40BD-BBB3-9AD7F891C9FD}" type="slidenum">
               <a:rPr lang="en-NL" smtClean="0"/>
-              <a:t>‹#›</a:t>
+              <a:t>‹Nr.›</a:t>
             </a:fld>
             <a:endParaRPr lang="en-NL"/>
           </a:p>
@@ -3123,7 +3123,7 @@
           <a:p>
             <a:fld id="{BEEC5A5A-C34E-462D-A18F-97AFFCCC6197}" type="datetimeFigureOut">
               <a:rPr lang="en-NL" smtClean="0"/>
-              <a:t>09/10/2025</a:t>
+              <a:t>09/14/2025</a:t>
             </a:fld>
             <a:endParaRPr lang="en-NL"/>
           </a:p>
@@ -3177,7 +3177,7 @@
           <a:p>
             <a:fld id="{5AEC89D8-36C3-40BD-BBB3-9AD7F891C9FD}" type="slidenum">
               <a:rPr lang="en-NL" smtClean="0"/>
-              <a:t>‹#›</a:t>
+              <a:t>‹Nr.›</a:t>
             </a:fld>
             <a:endParaRPr lang="en-NL"/>
           </a:p>
@@ -3412,7 +3412,7 @@
           <a:p>
             <a:fld id="{BEEC5A5A-C34E-462D-A18F-97AFFCCC6197}" type="datetimeFigureOut">
               <a:rPr lang="en-NL" smtClean="0"/>
-              <a:t>09/10/2025</a:t>
+              <a:t>09/14/2025</a:t>
             </a:fld>
             <a:endParaRPr lang="en-NL"/>
           </a:p>
@@ -3466,7 +3466,7 @@
           <a:p>
             <a:fld id="{5AEC89D8-36C3-40BD-BBB3-9AD7F891C9FD}" type="slidenum">
               <a:rPr lang="en-NL" smtClean="0"/>
-              <a:t>‹#›</a:t>
+              <a:t>‹Nr.›</a:t>
             </a:fld>
             <a:endParaRPr lang="en-NL"/>
           </a:p>
@@ -3655,7 +3655,7 @@
           <a:p>
             <a:fld id="{BEEC5A5A-C34E-462D-A18F-97AFFCCC6197}" type="datetimeFigureOut">
               <a:rPr lang="en-NL" smtClean="0"/>
-              <a:t>09/10/2025</a:t>
+              <a:t>09/14/2025</a:t>
             </a:fld>
             <a:endParaRPr lang="en-NL"/>
           </a:p>
@@ -3745,7 +3745,7 @@
           <a:p>
             <a:fld id="{5AEC89D8-36C3-40BD-BBB3-9AD7F891C9FD}" type="slidenum">
               <a:rPr lang="en-NL" smtClean="0"/>
-              <a:t>‹#›</a:t>
+              <a:t>‹Nr.›</a:t>
             </a:fld>
             <a:endParaRPr lang="en-NL"/>
           </a:p>
@@ -7193,6 +7193,14 @@
 </file>
 
 <file path=customXml/item1.xml><?xml version="1.0" encoding="utf-8"?>
+<TemplafyTemplateConfiguration><![CDATA[{"elementsMetadata":[],"transformationConfigurations":[],"templateName":"Blank PPT","templateDescription":"","enableDocumentContentUpdater":false,"version":"2.0"}]]></TemplafyTemplateConfiguration>
+</file>
+
+<file path=customXml/item2.xml><?xml version="1.0" encoding="utf-8"?>
+<TemplafyFormConfiguration><![CDATA[{"formFields":[],"formDataEntries":[]}]]></TemplafyFormConfiguration>
+</file>
+
+<file path=customXml/item3.xml><?xml version="1.0" encoding="utf-8"?>
 <Update>
   <Cmd case="SkabelonDesign.DocumentData:DefineData" variableName="AdditionalInformation">
     <Doc.Prop.AdditionalInformation>
@@ -7593,24 +7601,16 @@
 </Update>
 </file>
 
-<file path=customXml/item2.xml><?xml version="1.0" encoding="utf-8"?>
-<TemplafyFormConfiguration><![CDATA[{"formFields":[],"formDataEntries":[]}]]></TemplafyFormConfiguration>
+<file path=customXml/item4.xml><?xml version="1.0" encoding="utf-8"?>
+<TemplafySlideFormConfiguration><![CDATA[{"formFields":[],"formDataEntries":[]}]]></TemplafySlideFormConfiguration>
 </file>
 
-<file path=customXml/item3.xml><?xml version="1.0" encoding="utf-8"?>
-<TemplafyTemplateConfiguration><![CDATA[{"elementsMetadata":[],"transformationConfigurations":[],"templateName":"Blank PPT","templateDescription":"","enableDocumentContentUpdater":false,"version":"2.0"}]]></TemplafyTemplateConfiguration>
-</file>
-
-<file path=customXml/item4.xml><?xml version="1.0" encoding="utf-8"?>
+<file path=customXml/item5.xml><?xml version="1.0" encoding="utf-8"?>
 <TemplafySlideTemplateConfiguration><![CDATA[{"slideVersion":1,"isValidatorEnabled":false,"isLocked":false,"elementsMetadata":[],"slideId":"1184112029662183424","enableDocumentContentUpdater":false,"version":"2.0"}]]></TemplafySlideTemplateConfiguration>
 </file>
 
-<file path=customXml/item5.xml><?xml version="1.0" encoding="utf-8"?>
-<TemplafySlideFormConfiguration><![CDATA[{"formFields":[],"formDataEntries":[]}]]></TemplafySlideFormConfiguration>
-</file>
-
 <file path=customXml/itemProps1.xml><?xml version="1.0" encoding="utf-8"?>
-<ds:datastoreItem xmlns:ds="http://schemas.openxmlformats.org/officeDocument/2006/customXml" ds:itemID="{D1EF1EF6-FA49-4337-A46C-C565ED4628E7}">
+<ds:datastoreItem xmlns:ds="http://schemas.openxmlformats.org/officeDocument/2006/customXml" ds:itemID="{97B641B7-56D9-489B-9F68-19CCACF6EA12}">
   <ds:schemaRefs/>
 </ds:datastoreItem>
 </file>
@@ -7622,19 +7622,19 @@
 </file>
 
 <file path=customXml/itemProps3.xml><?xml version="1.0" encoding="utf-8"?>
-<ds:datastoreItem xmlns:ds="http://schemas.openxmlformats.org/officeDocument/2006/customXml" ds:itemID="{97B641B7-56D9-489B-9F68-19CCACF6EA12}">
+<ds:datastoreItem xmlns:ds="http://schemas.openxmlformats.org/officeDocument/2006/customXml" ds:itemID="{D1EF1EF6-FA49-4337-A46C-C565ED4628E7}">
   <ds:schemaRefs/>
 </ds:datastoreItem>
 </file>
 
 <file path=customXml/itemProps4.xml><?xml version="1.0" encoding="utf-8"?>
-<ds:datastoreItem xmlns:ds="http://schemas.openxmlformats.org/officeDocument/2006/customXml" ds:itemID="{F5D2F06F-0FD2-4FE6-A32B-74DCA7143777}">
+<ds:datastoreItem xmlns:ds="http://schemas.openxmlformats.org/officeDocument/2006/customXml" ds:itemID="{FF40CD5A-BA5B-459F-85DF-5487BCD4B6E5}">
   <ds:schemaRefs/>
 </ds:datastoreItem>
 </file>
 
 <file path=customXml/itemProps5.xml><?xml version="1.0" encoding="utf-8"?>
-<ds:datastoreItem xmlns:ds="http://schemas.openxmlformats.org/officeDocument/2006/customXml" ds:itemID="{FF40CD5A-BA5B-459F-85DF-5487BCD4B6E5}">
+<ds:datastoreItem xmlns:ds="http://schemas.openxmlformats.org/officeDocument/2006/customXml" ds:itemID="{F5D2F06F-0FD2-4FE6-A32B-74DCA7143777}">
   <ds:schemaRefs/>
 </ds:datastoreItem>
 </file>